--- a/ОРГ/Зачет/Презентация Microsoft PowerPoint.pptx
+++ b/ОРГ/Зачет/Презентация Microsoft PowerPoint.pptx
@@ -6,6 +6,12 @@
   </p:sldMasterIdLst>
   <p:sldIdLst>
     <p:sldId id="256" r:id="rId2"/>
+    <p:sldId id="257" r:id="rId3"/>
+    <p:sldId id="259" r:id="rId4"/>
+    <p:sldId id="274" r:id="rId5"/>
+    <p:sldId id="284" r:id="rId6"/>
+    <p:sldId id="286" r:id="rId7"/>
+    <p:sldId id="300" r:id="rId8"/>
   </p:sldIdLst>
   <p:sldSz cx="12192000" cy="6858000"/>
   <p:notesSz cx="6858000" cy="9144000"/>
@@ -104,6 +110,11 @@
       </a:defRPr>
     </a:lvl9pPr>
   </p:defaultTextStyle>
+  <p:extLst>
+    <p:ext uri="{EFAFB233-063F-42B5-8137-9DF3F51BA10A}">
+      <p15:sldGuideLst xmlns:p15="http://schemas.microsoft.com/office/powerpoint/2012/main"/>
+    </p:ext>
+  </p:extLst>
 </p:presentation>
 </file>
 
@@ -256,7 +267,7 @@
           <a:p>
             <a:fld id="{88EB5587-FF3C-40B2-B460-F220D635732B}" type="datetimeFigureOut">
               <a:rPr lang="en-US" smtClean="0"/>
-              <a:t>5/2/2024</a:t>
+              <a:t>5/4/2024</a:t>
             </a:fld>
             <a:endParaRPr lang="en-US"/>
           </a:p>
@@ -456,7 +467,7 @@
           <a:p>
             <a:fld id="{88EB5587-FF3C-40B2-B460-F220D635732B}" type="datetimeFigureOut">
               <a:rPr lang="en-US" smtClean="0"/>
-              <a:t>5/2/2024</a:t>
+              <a:t>5/4/2024</a:t>
             </a:fld>
             <a:endParaRPr lang="en-US"/>
           </a:p>
@@ -666,7 +677,7 @@
           <a:p>
             <a:fld id="{88EB5587-FF3C-40B2-B460-F220D635732B}" type="datetimeFigureOut">
               <a:rPr lang="en-US" smtClean="0"/>
-              <a:t>5/2/2024</a:t>
+              <a:t>5/4/2024</a:t>
             </a:fld>
             <a:endParaRPr lang="en-US"/>
           </a:p>
@@ -866,7 +877,7 @@
           <a:p>
             <a:fld id="{88EB5587-FF3C-40B2-B460-F220D635732B}" type="datetimeFigureOut">
               <a:rPr lang="en-US" smtClean="0"/>
-              <a:t>5/2/2024</a:t>
+              <a:t>5/4/2024</a:t>
             </a:fld>
             <a:endParaRPr lang="en-US"/>
           </a:p>
@@ -1142,7 +1153,7 @@
           <a:p>
             <a:fld id="{88EB5587-FF3C-40B2-B460-F220D635732B}" type="datetimeFigureOut">
               <a:rPr lang="en-US" smtClean="0"/>
-              <a:t>5/2/2024</a:t>
+              <a:t>5/4/2024</a:t>
             </a:fld>
             <a:endParaRPr lang="en-US"/>
           </a:p>
@@ -1410,7 +1421,7 @@
           <a:p>
             <a:fld id="{88EB5587-FF3C-40B2-B460-F220D635732B}" type="datetimeFigureOut">
               <a:rPr lang="en-US" smtClean="0"/>
-              <a:t>5/2/2024</a:t>
+              <a:t>5/4/2024</a:t>
             </a:fld>
             <a:endParaRPr lang="en-US"/>
           </a:p>
@@ -1825,7 +1836,7 @@
           <a:p>
             <a:fld id="{88EB5587-FF3C-40B2-B460-F220D635732B}" type="datetimeFigureOut">
               <a:rPr lang="en-US" smtClean="0"/>
-              <a:t>5/2/2024</a:t>
+              <a:t>5/4/2024</a:t>
             </a:fld>
             <a:endParaRPr lang="en-US"/>
           </a:p>
@@ -1967,7 +1978,7 @@
           <a:p>
             <a:fld id="{88EB5587-FF3C-40B2-B460-F220D635732B}" type="datetimeFigureOut">
               <a:rPr lang="en-US" smtClean="0"/>
-              <a:t>5/2/2024</a:t>
+              <a:t>5/4/2024</a:t>
             </a:fld>
             <a:endParaRPr lang="en-US"/>
           </a:p>
@@ -2080,7 +2091,7 @@
           <a:p>
             <a:fld id="{88EB5587-FF3C-40B2-B460-F220D635732B}" type="datetimeFigureOut">
               <a:rPr lang="en-US" smtClean="0"/>
-              <a:t>5/2/2024</a:t>
+              <a:t>5/4/2024</a:t>
             </a:fld>
             <a:endParaRPr lang="en-US"/>
           </a:p>
@@ -2393,7 +2404,7 @@
           <a:p>
             <a:fld id="{88EB5587-FF3C-40B2-B460-F220D635732B}" type="datetimeFigureOut">
               <a:rPr lang="en-US" smtClean="0"/>
-              <a:t>5/2/2024</a:t>
+              <a:t>5/4/2024</a:t>
             </a:fld>
             <a:endParaRPr lang="en-US"/>
           </a:p>
@@ -2682,7 +2693,7 @@
           <a:p>
             <a:fld id="{88EB5587-FF3C-40B2-B460-F220D635732B}" type="datetimeFigureOut">
               <a:rPr lang="en-US" smtClean="0"/>
-              <a:t>5/2/2024</a:t>
+              <a:t>5/4/2024</a:t>
             </a:fld>
             <a:endParaRPr lang="en-US"/>
           </a:p>
@@ -2925,7 +2936,7 @@
           <a:p>
             <a:fld id="{88EB5587-FF3C-40B2-B460-F220D635732B}" type="datetimeFigureOut">
               <a:rPr lang="en-US" smtClean="0"/>
-              <a:t>5/2/2024</a:t>
+              <a:t>5/4/2024</a:t>
             </a:fld>
             <a:endParaRPr lang="en-US"/>
           </a:p>
@@ -3361,13 +3372,20 @@
         <p:spPr/>
         <p:txBody>
           <a:bodyPr>
-            <a:normAutofit fontScale="90000"/>
+            <a:normAutofit/>
           </a:bodyPr>
           <a:lstStyle/>
           <a:p>
             <a:r>
               <a:rPr lang="ru-RU" dirty="0"/>
-              <a:t>Исчезнувшие села и деревни Мурманской области</a:t>
+              <a:t>Уходящие деревни</a:t>
+            </a:r>
+            <a:br>
+              <a:rPr lang="ru-RU" dirty="0"/>
+            </a:br>
+            <a:r>
+              <a:rPr lang="ru-RU" dirty="0"/>
+              <a:t>Мурманской области</a:t>
             </a:r>
             <a:endParaRPr lang="en-US" dirty="0"/>
           </a:p>
@@ -3406,6 +3424,787 @@
     <p:extLst>
       <p:ext uri="{BB962C8B-B14F-4D97-AF65-F5344CB8AC3E}">
         <p14:creationId xmlns:p14="http://schemas.microsoft.com/office/powerpoint/2010/main" val="2303647480"/>
+      </p:ext>
+    </p:extLst>
+  </p:cSld>
+  <p:clrMapOvr>
+    <a:masterClrMapping/>
+  </p:clrMapOvr>
+</p:sld>
+</file>
+
+<file path=ppt/slides/slide2.xml><?xml version="1.0" encoding="utf-8"?>
+<p:sld xmlns:a="http://schemas.openxmlformats.org/drawingml/2006/main" xmlns:r="http://schemas.openxmlformats.org/officeDocument/2006/relationships" xmlns:p="http://schemas.openxmlformats.org/presentationml/2006/main">
+  <p:cSld>
+    <p:spTree>
+      <p:nvGrpSpPr>
+        <p:cNvPr id="1" name=""/>
+        <p:cNvGrpSpPr/>
+        <p:nvPr/>
+      </p:nvGrpSpPr>
+      <p:grpSpPr>
+        <a:xfrm>
+          <a:off x="0" y="0"/>
+          <a:ext cx="0" cy="0"/>
+          <a:chOff x="0" y="0"/>
+          <a:chExt cx="0" cy="0"/>
+        </a:xfrm>
+      </p:grpSpPr>
+      <p:sp>
+        <p:nvSpPr>
+          <p:cNvPr id="2" name="Заголовок 1">
+            <a:extLst>
+              <a:ext uri="{FF2B5EF4-FFF2-40B4-BE49-F238E27FC236}">
+                <a16:creationId xmlns:a16="http://schemas.microsoft.com/office/drawing/2014/main" id="{5B8ECA90-92D3-CC7E-AEF2-D76E93899EA6}"/>
+              </a:ext>
+            </a:extLst>
+          </p:cNvPr>
+          <p:cNvSpPr>
+            <a:spLocks noGrp="1"/>
+          </p:cNvSpPr>
+          <p:nvPr>
+            <p:ph type="title"/>
+          </p:nvPr>
+        </p:nvSpPr>
+        <p:spPr>
+          <a:xfrm>
+            <a:off x="838200" y="64655"/>
+            <a:ext cx="10515600" cy="720437"/>
+          </a:xfrm>
+        </p:spPr>
+        <p:txBody>
+          <a:bodyPr>
+            <a:normAutofit/>
+          </a:bodyPr>
+          <a:lstStyle/>
+          <a:p>
+            <a:r>
+              <a:rPr lang="ru-RU" dirty="0"/>
+              <a:t>Выберите исчезнувшую деревню</a:t>
+            </a:r>
+            <a:r>
+              <a:rPr lang="en-US" dirty="0"/>
+              <a:t>:</a:t>
+            </a:r>
+          </a:p>
+        </p:txBody>
+      </p:sp>
+      <p:sp>
+        <p:nvSpPr>
+          <p:cNvPr id="3" name="Объект 2">
+            <a:extLst>
+              <a:ext uri="{FF2B5EF4-FFF2-40B4-BE49-F238E27FC236}">
+                <a16:creationId xmlns:a16="http://schemas.microsoft.com/office/drawing/2014/main" id="{56481697-B081-98E0-3C46-CFCE30990065}"/>
+              </a:ext>
+            </a:extLst>
+          </p:cNvPr>
+          <p:cNvSpPr>
+            <a:spLocks noGrp="1"/>
+          </p:cNvSpPr>
+          <p:nvPr>
+            <p:ph idx="1"/>
+          </p:nvPr>
+        </p:nvSpPr>
+        <p:spPr>
+          <a:xfrm>
+            <a:off x="838200" y="785092"/>
+            <a:ext cx="7197436" cy="5560290"/>
+          </a:xfrm>
+        </p:spPr>
+        <p:txBody>
+          <a:bodyPr>
+            <a:noAutofit/>
+          </a:bodyPr>
+          <a:lstStyle/>
+          <a:p>
+            <a:pPr algn="just">
+              <a:lnSpc>
+                <a:spcPct val="100000"/>
+              </a:lnSpc>
+              <a:spcBef>
+                <a:spcPts val="0"/>
+              </a:spcBef>
+            </a:pPr>
+            <a:r>
+              <a:rPr lang="ru-RU" sz="6600" b="0" i="0" dirty="0">
+                <a:effectLst/>
+                <a:highlight>
+                  <a:srgbClr val="FFFFFF"/>
+                </a:highlight>
+                <a:latin typeface="Times New Roman" panose="02020603050405020304" pitchFamily="18" charset="0"/>
+                <a:cs typeface="Times New Roman" panose="02020603050405020304" pitchFamily="18" charset="0"/>
+                <a:hlinkClick r:id="rId2" action="ppaction://hlinksldjump"/>
+              </a:rPr>
+              <a:t>Наутси</a:t>
+            </a:r>
+            <a:endParaRPr lang="en-US" sz="6600" dirty="0">
+              <a:highlight>
+                <a:srgbClr val="FFFFFF"/>
+              </a:highlight>
+              <a:latin typeface="Times New Roman" panose="02020603050405020304" pitchFamily="18" charset="0"/>
+              <a:cs typeface="Times New Roman" panose="02020603050405020304" pitchFamily="18" charset="0"/>
+            </a:endParaRPr>
+          </a:p>
+          <a:p>
+            <a:pPr algn="just">
+              <a:lnSpc>
+                <a:spcPct val="100000"/>
+              </a:lnSpc>
+              <a:spcBef>
+                <a:spcPts val="0"/>
+              </a:spcBef>
+            </a:pPr>
+            <a:r>
+              <a:rPr lang="ru-RU" sz="6600" b="0" i="0" dirty="0">
+                <a:effectLst/>
+                <a:highlight>
+                  <a:srgbClr val="FFFFFF"/>
+                </a:highlight>
+                <a:latin typeface="Times New Roman" panose="02020603050405020304" pitchFamily="18" charset="0"/>
+                <a:cs typeface="Times New Roman" panose="02020603050405020304" pitchFamily="18" charset="0"/>
+                <a:hlinkClick r:id="" action="ppaction://noaction"/>
+              </a:rPr>
+              <a:t>Маяк </a:t>
+            </a:r>
+            <a:r>
+              <a:rPr lang="ru-RU" sz="6600" b="0" i="0" dirty="0" err="1">
+                <a:effectLst/>
+                <a:highlight>
+                  <a:srgbClr val="FFFFFF"/>
+                </a:highlight>
+                <a:latin typeface="Times New Roman" panose="02020603050405020304" pitchFamily="18" charset="0"/>
+                <a:cs typeface="Times New Roman" panose="02020603050405020304" pitchFamily="18" charset="0"/>
+                <a:hlinkClick r:id="" action="ppaction://noaction"/>
+              </a:rPr>
+              <a:t>Ретинский</a:t>
+            </a:r>
+            <a:endParaRPr lang="en-US" sz="6600" b="0" i="0" dirty="0">
+              <a:effectLst/>
+              <a:highlight>
+                <a:srgbClr val="FFFFFF"/>
+              </a:highlight>
+              <a:latin typeface="Times New Roman" panose="02020603050405020304" pitchFamily="18" charset="0"/>
+              <a:cs typeface="Times New Roman" panose="02020603050405020304" pitchFamily="18" charset="0"/>
+            </a:endParaRPr>
+          </a:p>
+          <a:p>
+            <a:pPr algn="just">
+              <a:lnSpc>
+                <a:spcPct val="100000"/>
+              </a:lnSpc>
+              <a:spcBef>
+                <a:spcPts val="0"/>
+              </a:spcBef>
+            </a:pPr>
+            <a:r>
+              <a:rPr lang="ru-RU" sz="6600" b="0" i="0" dirty="0">
+                <a:effectLst/>
+                <a:highlight>
+                  <a:srgbClr val="FFFFFF"/>
+                </a:highlight>
+                <a:latin typeface="Times New Roman" panose="02020603050405020304" pitchFamily="18" charset="0"/>
+                <a:cs typeface="Times New Roman" panose="02020603050405020304" pitchFamily="18" charset="0"/>
+                <a:hlinkClick r:id="" action="ppaction://noaction"/>
+              </a:rPr>
+              <a:t>Большое Озерко</a:t>
+            </a:r>
+            <a:endParaRPr lang="en-US" sz="6600" dirty="0">
+              <a:highlight>
+                <a:srgbClr val="FFFFFF"/>
+              </a:highlight>
+              <a:latin typeface="Times New Roman" panose="02020603050405020304" pitchFamily="18" charset="0"/>
+              <a:cs typeface="Times New Roman" panose="02020603050405020304" pitchFamily="18" charset="0"/>
+            </a:endParaRPr>
+          </a:p>
+          <a:p>
+            <a:pPr algn="just">
+              <a:lnSpc>
+                <a:spcPct val="100000"/>
+              </a:lnSpc>
+              <a:spcBef>
+                <a:spcPts val="0"/>
+              </a:spcBef>
+            </a:pPr>
+            <a:r>
+              <a:rPr lang="ru-RU" sz="6600" b="0" i="0" strike="noStrike" dirty="0">
+                <a:effectLst/>
+                <a:highlight>
+                  <a:srgbClr val="FFFFFF"/>
+                </a:highlight>
+                <a:latin typeface="Times New Roman" panose="02020603050405020304" pitchFamily="18" charset="0"/>
+                <a:cs typeface="Times New Roman" panose="02020603050405020304" pitchFamily="18" charset="0"/>
+                <a:hlinkClick r:id="" action="ppaction://noaction"/>
+              </a:rPr>
+              <a:t>Порт-Владимир</a:t>
+            </a:r>
+            <a:endParaRPr lang="en-US" sz="6600" b="0" i="0" dirty="0">
+              <a:effectLst/>
+              <a:highlight>
+                <a:srgbClr val="FFFFFF"/>
+              </a:highlight>
+              <a:latin typeface="Times New Roman" panose="02020603050405020304" pitchFamily="18" charset="0"/>
+              <a:cs typeface="Times New Roman" panose="02020603050405020304" pitchFamily="18" charset="0"/>
+            </a:endParaRPr>
+          </a:p>
+          <a:p>
+            <a:pPr algn="just">
+              <a:lnSpc>
+                <a:spcPct val="100000"/>
+              </a:lnSpc>
+              <a:spcBef>
+                <a:spcPts val="0"/>
+              </a:spcBef>
+            </a:pPr>
+            <a:r>
+              <a:rPr lang="ru-RU" sz="6600" b="0" i="0" strike="noStrike" dirty="0">
+                <a:effectLst/>
+                <a:highlight>
+                  <a:srgbClr val="FFFFFF"/>
+                </a:highlight>
+                <a:latin typeface="Times New Roman" panose="02020603050405020304" pitchFamily="18" charset="0"/>
+                <a:cs typeface="Times New Roman" panose="02020603050405020304" pitchFamily="18" charset="0"/>
+                <a:hlinkClick r:id="" action="ppaction://noaction"/>
+              </a:rPr>
+              <a:t>Гранитный</a:t>
+            </a:r>
+            <a:endParaRPr lang="en-US" sz="6600" b="0" i="0" dirty="0">
+              <a:effectLst/>
+              <a:highlight>
+                <a:srgbClr val="FFFFFF"/>
+              </a:highlight>
+              <a:latin typeface="Times New Roman" panose="02020603050405020304" pitchFamily="18" charset="0"/>
+              <a:cs typeface="Times New Roman" panose="02020603050405020304" pitchFamily="18" charset="0"/>
+            </a:endParaRPr>
+          </a:p>
+          <a:p>
+            <a:pPr algn="just">
+              <a:lnSpc>
+                <a:spcPct val="100000"/>
+              </a:lnSpc>
+              <a:spcBef>
+                <a:spcPts val="0"/>
+              </a:spcBef>
+            </a:pPr>
+            <a:endParaRPr lang="en-US" sz="6600" b="0" i="0" u="sng" dirty="0">
+              <a:solidFill>
+                <a:srgbClr val="BA0000"/>
+              </a:solidFill>
+              <a:effectLst/>
+              <a:highlight>
+                <a:srgbClr val="FFFFFF"/>
+              </a:highlight>
+              <a:latin typeface="Times New Roman" panose="02020603050405020304" pitchFamily="18" charset="0"/>
+              <a:cs typeface="Times New Roman" panose="02020603050405020304" pitchFamily="18" charset="0"/>
+            </a:endParaRPr>
+          </a:p>
+        </p:txBody>
+      </p:sp>
+    </p:spTree>
+    <p:extLst>
+      <p:ext uri="{BB962C8B-B14F-4D97-AF65-F5344CB8AC3E}">
+        <p14:creationId xmlns:p14="http://schemas.microsoft.com/office/powerpoint/2010/main" val="787136576"/>
+      </p:ext>
+    </p:extLst>
+  </p:cSld>
+  <p:clrMapOvr>
+    <a:masterClrMapping/>
+  </p:clrMapOvr>
+</p:sld>
+</file>
+
+<file path=ppt/slides/slide3.xml><?xml version="1.0" encoding="utf-8"?>
+<p:sld xmlns:a="http://schemas.openxmlformats.org/drawingml/2006/main" xmlns:r="http://schemas.openxmlformats.org/officeDocument/2006/relationships" xmlns:p="http://schemas.openxmlformats.org/presentationml/2006/main">
+  <p:cSld>
+    <p:spTree>
+      <p:nvGrpSpPr>
+        <p:cNvPr id="1" name=""/>
+        <p:cNvGrpSpPr/>
+        <p:nvPr/>
+      </p:nvGrpSpPr>
+      <p:grpSpPr>
+        <a:xfrm>
+          <a:off x="0" y="0"/>
+          <a:ext cx="0" cy="0"/>
+          <a:chOff x="0" y="0"/>
+          <a:chExt cx="0" cy="0"/>
+        </a:xfrm>
+      </p:grpSpPr>
+      <p:sp>
+        <p:nvSpPr>
+          <p:cNvPr id="2" name="Заголовок 1">
+            <a:extLst>
+              <a:ext uri="{FF2B5EF4-FFF2-40B4-BE49-F238E27FC236}">
+                <a16:creationId xmlns:a16="http://schemas.microsoft.com/office/drawing/2014/main" id="{ABA3AE1E-C5C1-CAD8-C6C2-298EBB031C4A}"/>
+              </a:ext>
+            </a:extLst>
+          </p:cNvPr>
+          <p:cNvSpPr>
+            <a:spLocks noGrp="1"/>
+          </p:cNvSpPr>
+          <p:nvPr>
+            <p:ph type="title"/>
+          </p:nvPr>
+        </p:nvSpPr>
+        <p:spPr/>
+        <p:txBody>
+          <a:bodyPr/>
+          <a:lstStyle/>
+          <a:p>
+            <a:r>
+              <a:rPr lang="ru-RU" sz="4400" b="0" i="0" u="sng" dirty="0">
+                <a:solidFill>
+                  <a:srgbClr val="0645AD"/>
+                </a:solidFill>
+                <a:effectLst/>
+                <a:highlight>
+                  <a:srgbClr val="FFFFFF"/>
+                </a:highlight>
+                <a:latin typeface="Times New Roman" panose="02020603050405020304" pitchFamily="18" charset="0"/>
+                <a:cs typeface="Times New Roman" panose="02020603050405020304" pitchFamily="18" charset="0"/>
+                <a:hlinkClick r:id="rId2"/>
+              </a:rPr>
+              <a:t>Наутси</a:t>
+            </a:r>
+            <a:br>
+              <a:rPr lang="en-US" sz="4400" u="sng" dirty="0">
+                <a:solidFill>
+                  <a:srgbClr val="0645AD"/>
+                </a:solidFill>
+                <a:highlight>
+                  <a:srgbClr val="FFFFFF"/>
+                </a:highlight>
+                <a:latin typeface="Times New Roman" panose="02020603050405020304" pitchFamily="18" charset="0"/>
+                <a:cs typeface="Times New Roman" panose="02020603050405020304" pitchFamily="18" charset="0"/>
+              </a:rPr>
+            </a:br>
+            <a:endParaRPr lang="en-US" dirty="0"/>
+          </a:p>
+        </p:txBody>
+      </p:sp>
+      <p:sp>
+        <p:nvSpPr>
+          <p:cNvPr id="3" name="Объект 2">
+            <a:extLst>
+              <a:ext uri="{FF2B5EF4-FFF2-40B4-BE49-F238E27FC236}">
+                <a16:creationId xmlns:a16="http://schemas.microsoft.com/office/drawing/2014/main" id="{A16F3CA6-8AD5-406C-FCD8-7398D4809381}"/>
+              </a:ext>
+            </a:extLst>
+          </p:cNvPr>
+          <p:cNvSpPr>
+            <a:spLocks noGrp="1"/>
+          </p:cNvSpPr>
+          <p:nvPr>
+            <p:ph idx="1"/>
+          </p:nvPr>
+        </p:nvSpPr>
+        <p:spPr/>
+        <p:txBody>
+          <a:bodyPr/>
+          <a:lstStyle/>
+          <a:p>
+            <a:endParaRPr lang="en-US"/>
+          </a:p>
+        </p:txBody>
+      </p:sp>
+    </p:spTree>
+    <p:extLst>
+      <p:ext uri="{BB962C8B-B14F-4D97-AF65-F5344CB8AC3E}">
+        <p14:creationId xmlns:p14="http://schemas.microsoft.com/office/powerpoint/2010/main" val="403250995"/>
+      </p:ext>
+    </p:extLst>
+  </p:cSld>
+  <p:clrMapOvr>
+    <a:masterClrMapping/>
+  </p:clrMapOvr>
+</p:sld>
+</file>
+
+<file path=ppt/slides/slide4.xml><?xml version="1.0" encoding="utf-8"?>
+<p:sld xmlns:a="http://schemas.openxmlformats.org/drawingml/2006/main" xmlns:r="http://schemas.openxmlformats.org/officeDocument/2006/relationships" xmlns:p="http://schemas.openxmlformats.org/presentationml/2006/main">
+  <p:cSld>
+    <p:spTree>
+      <p:nvGrpSpPr>
+        <p:cNvPr id="1" name=""/>
+        <p:cNvGrpSpPr/>
+        <p:nvPr/>
+      </p:nvGrpSpPr>
+      <p:grpSpPr>
+        <a:xfrm>
+          <a:off x="0" y="0"/>
+          <a:ext cx="0" cy="0"/>
+          <a:chOff x="0" y="0"/>
+          <a:chExt cx="0" cy="0"/>
+        </a:xfrm>
+      </p:grpSpPr>
+      <p:sp>
+        <p:nvSpPr>
+          <p:cNvPr id="2" name="Заголовок 1">
+            <a:extLst>
+              <a:ext uri="{FF2B5EF4-FFF2-40B4-BE49-F238E27FC236}">
+                <a16:creationId xmlns:a16="http://schemas.microsoft.com/office/drawing/2014/main" id="{7A817450-C456-E527-CA34-06A1D2C940C1}"/>
+              </a:ext>
+            </a:extLst>
+          </p:cNvPr>
+          <p:cNvSpPr>
+            <a:spLocks noGrp="1"/>
+          </p:cNvSpPr>
+          <p:nvPr>
+            <p:ph type="title"/>
+          </p:nvPr>
+        </p:nvSpPr>
+        <p:spPr/>
+        <p:txBody>
+          <a:bodyPr/>
+          <a:lstStyle/>
+          <a:p>
+            <a:r>
+              <a:rPr lang="ru-RU" sz="4400" b="0" i="0" u="sng" dirty="0">
+                <a:solidFill>
+                  <a:srgbClr val="0645AD"/>
+                </a:solidFill>
+                <a:effectLst/>
+                <a:highlight>
+                  <a:srgbClr val="FFFFFF"/>
+                </a:highlight>
+                <a:latin typeface="Times New Roman" panose="02020603050405020304" pitchFamily="18" charset="0"/>
+                <a:cs typeface="Times New Roman" panose="02020603050405020304" pitchFamily="18" charset="0"/>
+                <a:hlinkClick r:id="rId2"/>
+              </a:rPr>
+              <a:t>Маяк </a:t>
+            </a:r>
+            <a:r>
+              <a:rPr lang="ru-RU" sz="4400" b="0" i="0" u="sng" dirty="0" err="1">
+                <a:solidFill>
+                  <a:srgbClr val="0645AD"/>
+                </a:solidFill>
+                <a:effectLst/>
+                <a:highlight>
+                  <a:srgbClr val="FFFFFF"/>
+                </a:highlight>
+                <a:latin typeface="Times New Roman" panose="02020603050405020304" pitchFamily="18" charset="0"/>
+                <a:cs typeface="Times New Roman" panose="02020603050405020304" pitchFamily="18" charset="0"/>
+                <a:hlinkClick r:id="rId2"/>
+              </a:rPr>
+              <a:t>Ретинский</a:t>
+            </a:r>
+            <a:endParaRPr lang="en-US" dirty="0"/>
+          </a:p>
+        </p:txBody>
+      </p:sp>
+      <p:sp>
+        <p:nvSpPr>
+          <p:cNvPr id="3" name="Объект 2">
+            <a:extLst>
+              <a:ext uri="{FF2B5EF4-FFF2-40B4-BE49-F238E27FC236}">
+                <a16:creationId xmlns:a16="http://schemas.microsoft.com/office/drawing/2014/main" id="{E6753923-831A-9EE6-9EF0-7D43297FD15D}"/>
+              </a:ext>
+            </a:extLst>
+          </p:cNvPr>
+          <p:cNvSpPr>
+            <a:spLocks noGrp="1"/>
+          </p:cNvSpPr>
+          <p:nvPr>
+            <p:ph idx="1"/>
+          </p:nvPr>
+        </p:nvSpPr>
+        <p:spPr/>
+        <p:txBody>
+          <a:bodyPr/>
+          <a:lstStyle/>
+          <a:p>
+            <a:endParaRPr lang="en-US"/>
+          </a:p>
+        </p:txBody>
+      </p:sp>
+    </p:spTree>
+    <p:extLst>
+      <p:ext uri="{BB962C8B-B14F-4D97-AF65-F5344CB8AC3E}">
+        <p14:creationId xmlns:p14="http://schemas.microsoft.com/office/powerpoint/2010/main" val="3521563226"/>
+      </p:ext>
+    </p:extLst>
+  </p:cSld>
+  <p:clrMapOvr>
+    <a:masterClrMapping/>
+  </p:clrMapOvr>
+</p:sld>
+</file>
+
+<file path=ppt/slides/slide5.xml><?xml version="1.0" encoding="utf-8"?>
+<p:sld xmlns:a="http://schemas.openxmlformats.org/drawingml/2006/main" xmlns:r="http://schemas.openxmlformats.org/officeDocument/2006/relationships" xmlns:p="http://schemas.openxmlformats.org/presentationml/2006/main">
+  <p:cSld>
+    <p:spTree>
+      <p:nvGrpSpPr>
+        <p:cNvPr id="1" name=""/>
+        <p:cNvGrpSpPr/>
+        <p:nvPr/>
+      </p:nvGrpSpPr>
+      <p:grpSpPr>
+        <a:xfrm>
+          <a:off x="0" y="0"/>
+          <a:ext cx="0" cy="0"/>
+          <a:chOff x="0" y="0"/>
+          <a:chExt cx="0" cy="0"/>
+        </a:xfrm>
+      </p:grpSpPr>
+      <p:sp>
+        <p:nvSpPr>
+          <p:cNvPr id="2" name="Заголовок 1">
+            <a:extLst>
+              <a:ext uri="{FF2B5EF4-FFF2-40B4-BE49-F238E27FC236}">
+                <a16:creationId xmlns:a16="http://schemas.microsoft.com/office/drawing/2014/main" id="{EF204806-AB7D-B031-5D35-7523E026E150}"/>
+              </a:ext>
+            </a:extLst>
+          </p:cNvPr>
+          <p:cNvSpPr>
+            <a:spLocks noGrp="1"/>
+          </p:cNvSpPr>
+          <p:nvPr>
+            <p:ph type="title"/>
+          </p:nvPr>
+        </p:nvSpPr>
+        <p:spPr/>
+        <p:txBody>
+          <a:bodyPr/>
+          <a:lstStyle/>
+          <a:p>
+            <a:r>
+              <a:rPr lang="ru-RU" sz="4400" b="0" i="0" u="sng" dirty="0">
+                <a:solidFill>
+                  <a:srgbClr val="BA0000"/>
+                </a:solidFill>
+                <a:effectLst/>
+                <a:highlight>
+                  <a:srgbClr val="FFFFFF"/>
+                </a:highlight>
+                <a:latin typeface="Times New Roman" panose="02020603050405020304" pitchFamily="18" charset="0"/>
+                <a:cs typeface="Times New Roman" panose="02020603050405020304" pitchFamily="18" charset="0"/>
+                <a:hlinkClick r:id="rId2" tooltip="Большое Озерко (страница отсутствует)"/>
+              </a:rPr>
+              <a:t>Большое Озерко</a:t>
+            </a:r>
+            <a:endParaRPr lang="en-US" dirty="0"/>
+          </a:p>
+        </p:txBody>
+      </p:sp>
+      <p:sp>
+        <p:nvSpPr>
+          <p:cNvPr id="3" name="Объект 2">
+            <a:extLst>
+              <a:ext uri="{FF2B5EF4-FFF2-40B4-BE49-F238E27FC236}">
+                <a16:creationId xmlns:a16="http://schemas.microsoft.com/office/drawing/2014/main" id="{D7F2B14E-CA18-6CA4-EDE4-F01F7F9E89EE}"/>
+              </a:ext>
+            </a:extLst>
+          </p:cNvPr>
+          <p:cNvSpPr>
+            <a:spLocks noGrp="1"/>
+          </p:cNvSpPr>
+          <p:nvPr>
+            <p:ph idx="1"/>
+          </p:nvPr>
+        </p:nvSpPr>
+        <p:spPr/>
+        <p:txBody>
+          <a:bodyPr/>
+          <a:lstStyle/>
+          <a:p>
+            <a:endParaRPr lang="en-US"/>
+          </a:p>
+        </p:txBody>
+      </p:sp>
+    </p:spTree>
+    <p:extLst>
+      <p:ext uri="{BB962C8B-B14F-4D97-AF65-F5344CB8AC3E}">
+        <p14:creationId xmlns:p14="http://schemas.microsoft.com/office/powerpoint/2010/main" val="3118882519"/>
+      </p:ext>
+    </p:extLst>
+  </p:cSld>
+  <p:clrMapOvr>
+    <a:masterClrMapping/>
+  </p:clrMapOvr>
+</p:sld>
+</file>
+
+<file path=ppt/slides/slide6.xml><?xml version="1.0" encoding="utf-8"?>
+<p:sld xmlns:a="http://schemas.openxmlformats.org/drawingml/2006/main" xmlns:r="http://schemas.openxmlformats.org/officeDocument/2006/relationships" xmlns:p="http://schemas.openxmlformats.org/presentationml/2006/main">
+  <p:cSld>
+    <p:spTree>
+      <p:nvGrpSpPr>
+        <p:cNvPr id="1" name=""/>
+        <p:cNvGrpSpPr/>
+        <p:nvPr/>
+      </p:nvGrpSpPr>
+      <p:grpSpPr>
+        <a:xfrm>
+          <a:off x="0" y="0"/>
+          <a:ext cx="0" cy="0"/>
+          <a:chOff x="0" y="0"/>
+          <a:chExt cx="0" cy="0"/>
+        </a:xfrm>
+      </p:grpSpPr>
+      <p:sp>
+        <p:nvSpPr>
+          <p:cNvPr id="2" name="Заголовок 1">
+            <a:extLst>
+              <a:ext uri="{FF2B5EF4-FFF2-40B4-BE49-F238E27FC236}">
+                <a16:creationId xmlns:a16="http://schemas.microsoft.com/office/drawing/2014/main" id="{5F71D9B5-CCBC-D2EC-5CBA-36B4640D17E3}"/>
+              </a:ext>
+            </a:extLst>
+          </p:cNvPr>
+          <p:cNvSpPr>
+            <a:spLocks noGrp="1"/>
+          </p:cNvSpPr>
+          <p:nvPr>
+            <p:ph type="title"/>
+          </p:nvPr>
+        </p:nvSpPr>
+        <p:spPr/>
+        <p:txBody>
+          <a:bodyPr/>
+          <a:lstStyle/>
+          <a:p>
+            <a:r>
+              <a:rPr lang="ru-RU" sz="4400" b="0" i="0" u="none" strike="noStrike" dirty="0">
+                <a:solidFill>
+                  <a:srgbClr val="0645AD"/>
+                </a:solidFill>
+                <a:effectLst/>
+                <a:highlight>
+                  <a:srgbClr val="FFFFFF"/>
+                </a:highlight>
+                <a:latin typeface="Times New Roman" panose="02020603050405020304" pitchFamily="18" charset="0"/>
+                <a:cs typeface="Times New Roman" panose="02020603050405020304" pitchFamily="18" charset="0"/>
+                <a:hlinkClick r:id="rId2" tooltip="Гранитный (Мурманская область)"/>
+              </a:rPr>
+              <a:t>Гранитный</a:t>
+            </a:r>
+            <a:endParaRPr lang="en-US" dirty="0"/>
+          </a:p>
+        </p:txBody>
+      </p:sp>
+      <p:sp>
+        <p:nvSpPr>
+          <p:cNvPr id="3" name="Объект 2">
+            <a:extLst>
+              <a:ext uri="{FF2B5EF4-FFF2-40B4-BE49-F238E27FC236}">
+                <a16:creationId xmlns:a16="http://schemas.microsoft.com/office/drawing/2014/main" id="{D521B37E-6092-4466-BC1E-FE2BB96D8039}"/>
+              </a:ext>
+            </a:extLst>
+          </p:cNvPr>
+          <p:cNvSpPr>
+            <a:spLocks noGrp="1"/>
+          </p:cNvSpPr>
+          <p:nvPr>
+            <p:ph idx="1"/>
+          </p:nvPr>
+        </p:nvSpPr>
+        <p:spPr/>
+        <p:txBody>
+          <a:bodyPr/>
+          <a:lstStyle/>
+          <a:p>
+            <a:endParaRPr lang="en-US"/>
+          </a:p>
+        </p:txBody>
+      </p:sp>
+    </p:spTree>
+    <p:extLst>
+      <p:ext uri="{BB962C8B-B14F-4D97-AF65-F5344CB8AC3E}">
+        <p14:creationId xmlns:p14="http://schemas.microsoft.com/office/powerpoint/2010/main" val="2818840591"/>
+      </p:ext>
+    </p:extLst>
+  </p:cSld>
+  <p:clrMapOvr>
+    <a:masterClrMapping/>
+  </p:clrMapOvr>
+</p:sld>
+</file>
+
+<file path=ppt/slides/slide7.xml><?xml version="1.0" encoding="utf-8"?>
+<p:sld xmlns:a="http://schemas.openxmlformats.org/drawingml/2006/main" xmlns:r="http://schemas.openxmlformats.org/officeDocument/2006/relationships" xmlns:p="http://schemas.openxmlformats.org/presentationml/2006/main">
+  <p:cSld>
+    <p:spTree>
+      <p:nvGrpSpPr>
+        <p:cNvPr id="1" name=""/>
+        <p:cNvGrpSpPr/>
+        <p:nvPr/>
+      </p:nvGrpSpPr>
+      <p:grpSpPr>
+        <a:xfrm>
+          <a:off x="0" y="0"/>
+          <a:ext cx="0" cy="0"/>
+          <a:chOff x="0" y="0"/>
+          <a:chExt cx="0" cy="0"/>
+        </a:xfrm>
+      </p:grpSpPr>
+      <p:sp>
+        <p:nvSpPr>
+          <p:cNvPr id="2" name="Заголовок 1">
+            <a:extLst>
+              <a:ext uri="{FF2B5EF4-FFF2-40B4-BE49-F238E27FC236}">
+                <a16:creationId xmlns:a16="http://schemas.microsoft.com/office/drawing/2014/main" id="{EAFEC11D-B432-99BA-5746-4DA539E4DC3E}"/>
+              </a:ext>
+            </a:extLst>
+          </p:cNvPr>
+          <p:cNvSpPr>
+            <a:spLocks noGrp="1"/>
+          </p:cNvSpPr>
+          <p:nvPr>
+            <p:ph type="title"/>
+          </p:nvPr>
+        </p:nvSpPr>
+        <p:spPr/>
+        <p:txBody>
+          <a:bodyPr/>
+          <a:lstStyle/>
+          <a:p>
+            <a:r>
+              <a:rPr lang="ru-RU" sz="4400" b="0" i="0" u="none" strike="noStrike" dirty="0">
+                <a:solidFill>
+                  <a:srgbClr val="0645AD"/>
+                </a:solidFill>
+                <a:effectLst/>
+                <a:highlight>
+                  <a:srgbClr val="FFFFFF"/>
+                </a:highlight>
+                <a:latin typeface="Times New Roman" panose="02020603050405020304" pitchFamily="18" charset="0"/>
+                <a:cs typeface="Times New Roman" panose="02020603050405020304" pitchFamily="18" charset="0"/>
+                <a:hlinkClick r:id="rId2" tooltip="Порт-Владимир"/>
+              </a:rPr>
+              <a:t>Порт-Владимир</a:t>
+            </a:r>
+            <a:endParaRPr lang="en-US" dirty="0"/>
+          </a:p>
+        </p:txBody>
+      </p:sp>
+      <p:sp>
+        <p:nvSpPr>
+          <p:cNvPr id="3" name="Объект 2">
+            <a:extLst>
+              <a:ext uri="{FF2B5EF4-FFF2-40B4-BE49-F238E27FC236}">
+                <a16:creationId xmlns:a16="http://schemas.microsoft.com/office/drawing/2014/main" id="{4741C644-F0E1-E670-A09F-D8212A13D2CE}"/>
+              </a:ext>
+            </a:extLst>
+          </p:cNvPr>
+          <p:cNvSpPr>
+            <a:spLocks noGrp="1"/>
+          </p:cNvSpPr>
+          <p:nvPr>
+            <p:ph idx="1"/>
+          </p:nvPr>
+        </p:nvSpPr>
+        <p:spPr/>
+        <p:txBody>
+          <a:bodyPr/>
+          <a:lstStyle/>
+          <a:p>
+            <a:endParaRPr lang="en-US"/>
+          </a:p>
+        </p:txBody>
+      </p:sp>
+    </p:spTree>
+    <p:extLst>
+      <p:ext uri="{BB962C8B-B14F-4D97-AF65-F5344CB8AC3E}">
+        <p14:creationId xmlns:p14="http://schemas.microsoft.com/office/powerpoint/2010/main" val="3657518170"/>
       </p:ext>
     </p:extLst>
   </p:cSld>
